--- a/Presentations/Aula08-Rede-IPIntro/08-Rede-IPIntro.pptx
+++ b/Presentations/Aula08-Rede-IPIntro/08-Rede-IPIntro.pptx
@@ -6,7 +6,7 @@
     <p:sldMasterId id="2147484236" r:id="rId2"/>
   </p:sldMasterIdLst>
   <p:notesMasterIdLst>
-    <p:notesMasterId r:id="rId40"/>
+    <p:notesMasterId r:id="rId41"/>
   </p:notesMasterIdLst>
   <p:sldIdLst>
     <p:sldId id="257" r:id="rId3"/>
@@ -46,6 +46,7 @@
     <p:sldId id="616" r:id="rId37"/>
     <p:sldId id="617" r:id="rId38"/>
     <p:sldId id="618" r:id="rId39"/>
+    <p:sldId id="619" r:id="rId40"/>
   </p:sldIdLst>
   <p:sldSz cx="9144000" cy="6858000" type="screen4x3"/>
   <p:notesSz cx="6669088" cy="9928225"/>
@@ -286,7 +287,7 @@
               <a:pPr>
                 <a:defRPr/>
               </a:pPr>
-              <a:t>12/10/2016</a:t>
+              <a:t>26/10/2016</a:t>
             </a:fld>
             <a:endParaRPr lang="pt-BR"/>
           </a:p>
@@ -928,7 +929,7 @@
               <a:pPr>
                 <a:defRPr/>
               </a:pPr>
-              <a:t>12/10/2016</a:t>
+              <a:t>26/10/2016</a:t>
             </a:fld>
             <a:endParaRPr lang="pt-BR"/>
           </a:p>
@@ -1298,7 +1299,7 @@
               <a:pPr>
                 <a:defRPr/>
               </a:pPr>
-              <a:t>12/10/2016</a:t>
+              <a:t>26/10/2016</a:t>
             </a:fld>
             <a:endParaRPr lang="pt-BR"/>
           </a:p>
@@ -1500,7 +1501,7 @@
               <a:pPr>
                 <a:defRPr/>
               </a:pPr>
-              <a:t>12/10/2016</a:t>
+              <a:t>26/10/2016</a:t>
             </a:fld>
             <a:endParaRPr lang="pt-BR"/>
           </a:p>
@@ -1764,7 +1765,7 @@
               <a:pPr>
                 <a:defRPr/>
               </a:pPr>
-              <a:t>12/10/2016</a:t>
+              <a:t>26/10/2016</a:t>
             </a:fld>
             <a:endParaRPr lang="pt-BR"/>
           </a:p>
@@ -1956,7 +1957,7 @@
               <a:pPr>
                 <a:defRPr/>
               </a:pPr>
-              <a:t>12/10/2016</a:t>
+              <a:t>26/10/2016</a:t>
             </a:fld>
             <a:endParaRPr lang="pt-BR"/>
           </a:p>
@@ -2224,7 +2225,7 @@
               <a:pPr>
                 <a:defRPr/>
               </a:pPr>
-              <a:t>12/10/2016</a:t>
+              <a:t>26/10/2016</a:t>
             </a:fld>
             <a:endParaRPr lang="pt-BR"/>
           </a:p>
@@ -2534,7 +2535,7 @@
               <a:pPr>
                 <a:defRPr/>
               </a:pPr>
-              <a:t>12/10/2016</a:t>
+              <a:t>26/10/2016</a:t>
             </a:fld>
             <a:endParaRPr lang="pt-BR"/>
           </a:p>
@@ -2978,7 +2979,7 @@
               <a:pPr>
                 <a:defRPr/>
               </a:pPr>
-              <a:t>12/10/2016</a:t>
+              <a:t>26/10/2016</a:t>
             </a:fld>
             <a:endParaRPr lang="pt-BR"/>
           </a:p>
@@ -3118,7 +3119,7 @@
               <a:pPr>
                 <a:defRPr/>
               </a:pPr>
-              <a:t>12/10/2016</a:t>
+              <a:t>26/10/2016</a:t>
             </a:fld>
             <a:endParaRPr lang="pt-BR"/>
           </a:p>
@@ -3235,7 +3236,7 @@
               <a:pPr>
                 <a:defRPr/>
               </a:pPr>
-              <a:t>12/10/2016</a:t>
+              <a:t>26/10/2016</a:t>
             </a:fld>
             <a:endParaRPr lang="pt-BR"/>
           </a:p>
@@ -3427,7 +3428,7 @@
               <a:pPr>
                 <a:defRPr/>
               </a:pPr>
-              <a:t>12/10/2016</a:t>
+              <a:t>26/10/2016</a:t>
             </a:fld>
             <a:endParaRPr lang="pt-BR"/>
           </a:p>
@@ -3726,7 +3727,7 @@
               <a:pPr>
                 <a:defRPr/>
               </a:pPr>
-              <a:t>12/10/2016</a:t>
+              <a:t>26/10/2016</a:t>
             </a:fld>
             <a:endParaRPr lang="pt-BR"/>
           </a:p>
@@ -4004,7 +4005,7 @@
               <a:pPr>
                 <a:defRPr/>
               </a:pPr>
-              <a:t>12/10/2016</a:t>
+              <a:t>26/10/2016</a:t>
             </a:fld>
             <a:endParaRPr lang="pt-BR"/>
           </a:p>
@@ -4196,7 +4197,7 @@
               <a:pPr>
                 <a:defRPr/>
               </a:pPr>
-              <a:t>12/10/2016</a:t>
+              <a:t>26/10/2016</a:t>
             </a:fld>
             <a:endParaRPr lang="pt-BR"/>
           </a:p>
@@ -4398,7 +4399,7 @@
               <a:pPr>
                 <a:defRPr/>
               </a:pPr>
-              <a:t>12/10/2016</a:t>
+              <a:t>26/10/2016</a:t>
             </a:fld>
             <a:endParaRPr lang="pt-BR"/>
           </a:p>
@@ -4666,7 +4667,7 @@
               <a:pPr>
                 <a:defRPr/>
               </a:pPr>
-              <a:t>12/10/2016</a:t>
+              <a:t>26/10/2016</a:t>
             </a:fld>
             <a:endParaRPr lang="pt-BR"/>
           </a:p>
@@ -4976,7 +4977,7 @@
               <a:pPr>
                 <a:defRPr/>
               </a:pPr>
-              <a:t>12/10/2016</a:t>
+              <a:t>26/10/2016</a:t>
             </a:fld>
             <a:endParaRPr lang="pt-BR"/>
           </a:p>
@@ -5420,7 +5421,7 @@
               <a:pPr>
                 <a:defRPr/>
               </a:pPr>
-              <a:t>12/10/2016</a:t>
+              <a:t>26/10/2016</a:t>
             </a:fld>
             <a:endParaRPr lang="pt-BR"/>
           </a:p>
@@ -5560,7 +5561,7 @@
               <a:pPr>
                 <a:defRPr/>
               </a:pPr>
-              <a:t>12/10/2016</a:t>
+              <a:t>26/10/2016</a:t>
             </a:fld>
             <a:endParaRPr lang="pt-BR"/>
           </a:p>
@@ -5677,7 +5678,7 @@
               <a:pPr>
                 <a:defRPr/>
               </a:pPr>
-              <a:t>12/10/2016</a:t>
+              <a:t>26/10/2016</a:t>
             </a:fld>
             <a:endParaRPr lang="pt-BR"/>
           </a:p>
@@ -5976,7 +5977,7 @@
               <a:pPr>
                 <a:defRPr/>
               </a:pPr>
-              <a:t>12/10/2016</a:t>
+              <a:t>26/10/2016</a:t>
             </a:fld>
             <a:endParaRPr lang="pt-BR"/>
           </a:p>
@@ -6283,7 +6284,7 @@
               <a:pPr>
                 <a:defRPr/>
               </a:pPr>
-              <a:t>12/10/2016</a:t>
+              <a:t>26/10/2016</a:t>
             </a:fld>
             <a:endParaRPr lang="pt-BR"/>
           </a:p>
@@ -6539,7 +6540,7 @@
               <a:pPr>
                 <a:defRPr/>
               </a:pPr>
-              <a:t>12/10/2016</a:t>
+              <a:t>26/10/2016</a:t>
             </a:fld>
             <a:endParaRPr lang="pt-BR"/>
           </a:p>
@@ -7288,7 +7289,7 @@
               <a:pPr>
                 <a:defRPr/>
               </a:pPr>
-              <a:t>12/10/2016</a:t>
+              <a:t>26/10/2016</a:t>
             </a:fld>
             <a:endParaRPr lang="pt-BR"/>
           </a:p>
@@ -8227,21 +8228,8 @@
                   <a:schemeClr val="accent2"/>
                 </a:solidFill>
               </a:rPr>
-              <a:t>                     Camada de Rede- </a:t>
-            </a:r>
-            <a:r>
-              <a:rPr lang="pt-BR" altLang="pt-BR" sz="2800" b="1" dirty="0" smtClean="0">
-                <a:solidFill>
-                  <a:schemeClr val="accent2"/>
-                </a:solidFill>
-              </a:rPr>
-              <a:t>IPv4, NAT, ICMP</a:t>
-            </a:r>
-            <a:endParaRPr lang="pt-BR" altLang="pt-BR" sz="2800" b="1" dirty="0" smtClean="0">
-              <a:solidFill>
-                <a:schemeClr val="accent2"/>
-              </a:solidFill>
-            </a:endParaRPr>
+              <a:t>                     Camada de Rede- IPv4, NAT, ICMP</a:t>
+            </a:r>
           </a:p>
         </p:txBody>
       </p:sp>
@@ -8539,47 +8527,19 @@
           <a:p>
             <a:r>
               <a:rPr lang="pt-BR" sz="2800" dirty="0" smtClean="0"/>
-              <a:t>Endereço </a:t>
-            </a:r>
+              <a:t>Endereço IP:32 bits </a:t>
+            </a:r>
+          </a:p>
+          <a:p>
             <a:r>
               <a:rPr lang="pt-BR" sz="2800" dirty="0" smtClean="0"/>
-              <a:t>IP:32 bits </a:t>
+              <a:t>Interface: conexão entre host/roteador e enlace físico</a:t>
             </a:r>
           </a:p>
           <a:p>
             <a:r>
               <a:rPr lang="pt-BR" sz="2800" dirty="0" smtClean="0"/>
-              <a:t>I</a:t>
-            </a:r>
-            <a:r>
-              <a:rPr lang="pt-BR" sz="2800" dirty="0" smtClean="0"/>
-              <a:t>nterface</a:t>
-            </a:r>
-            <a:r>
-              <a:rPr lang="pt-BR" sz="2800" dirty="0" smtClean="0"/>
-              <a:t>: </a:t>
-            </a:r>
-            <a:r>
-              <a:rPr lang="pt-BR" sz="2800" dirty="0" smtClean="0"/>
-              <a:t>conexão entre host/roteador e </a:t>
-            </a:r>
-            <a:r>
-              <a:rPr lang="pt-BR" sz="2800" dirty="0" smtClean="0"/>
-              <a:t>enlace </a:t>
-            </a:r>
-            <a:r>
-              <a:rPr lang="pt-BR" sz="2800" dirty="0" smtClean="0"/>
-              <a:t>físico</a:t>
-            </a:r>
-          </a:p>
-          <a:p>
-            <a:r>
-              <a:rPr lang="pt-BR" sz="2800" dirty="0" smtClean="0"/>
-              <a:t>1 endereço IP </a:t>
-            </a:r>
-            <a:r>
-              <a:rPr lang="pt-BR" sz="2800" dirty="0" smtClean="0"/>
-              <a:t>por interface</a:t>
+              <a:t>1 endereço IP por interface</a:t>
             </a:r>
             <a:endParaRPr lang="pt-BR" sz="2800" dirty="0"/>
           </a:p>
@@ -8693,19 +8653,7 @@
           <a:p>
             <a:r>
               <a:rPr lang="pt-BR" dirty="0" smtClean="0"/>
-              <a:t>Dispositivos </a:t>
-            </a:r>
-            <a:r>
-              <a:rPr lang="pt-BR" dirty="0" smtClean="0"/>
-              <a:t>podem fisicamente </a:t>
-            </a:r>
-            <a:r>
-              <a:rPr lang="pt-BR" dirty="0" smtClean="0"/>
-              <a:t>alcançar </a:t>
-            </a:r>
-            <a:r>
-              <a:rPr lang="pt-BR" dirty="0" smtClean="0"/>
-              <a:t>os outros</a:t>
+              <a:t>Dispositivos podem fisicamente alcançar os outros</a:t>
             </a:r>
           </a:p>
           <a:p>
@@ -8859,15 +8807,7 @@
             <a:pPr lvl="1"/>
             <a:r>
               <a:rPr lang="pt-BR" sz="2400" dirty="0" smtClean="0"/>
-              <a:t>Classe </a:t>
-            </a:r>
-            <a:r>
-              <a:rPr lang="pt-BR" sz="2400" dirty="0" smtClean="0"/>
-              <a:t>C: 24 bits para a </a:t>
-            </a:r>
-            <a:r>
-              <a:rPr lang="pt-BR" sz="2400" dirty="0" smtClean="0"/>
-              <a:t>subrede</a:t>
+              <a:t>Classe C: 24 bits para a subrede</a:t>
             </a:r>
           </a:p>
           <a:p>
@@ -8893,41 +8833,13 @@
           <a:p>
             <a:r>
               <a:rPr lang="pt-BR" sz="2800" dirty="0" smtClean="0"/>
-              <a:t>CIDR: Classless InterDomain </a:t>
-            </a:r>
+              <a:t>CIDR: Classless InterDomain Routing</a:t>
+            </a:r>
+          </a:p>
+          <a:p>
             <a:r>
               <a:rPr lang="pt-BR" sz="2800" dirty="0" smtClean="0"/>
-              <a:t>Routing</a:t>
-            </a:r>
-          </a:p>
-          <a:p>
-            <a:r>
-              <a:rPr lang="pt-BR" sz="2800" dirty="0" smtClean="0"/>
-              <a:t>Notação </a:t>
-            </a:r>
-            <a:r>
-              <a:rPr lang="pt-BR" sz="2800" dirty="0" smtClean="0"/>
-              <a:t>a.b.c.d/x, onde x é o # </a:t>
-            </a:r>
-            <a:r>
-              <a:rPr lang="pt-BR" sz="2800" dirty="0" smtClean="0"/>
-              <a:t>de bits </a:t>
-            </a:r>
-            <a:r>
-              <a:rPr lang="pt-BR" sz="2800" dirty="0" smtClean="0"/>
-              <a:t>na </a:t>
-            </a:r>
-            <a:r>
-              <a:rPr lang="pt-BR" sz="2800" dirty="0" smtClean="0"/>
-              <a:t> porção </a:t>
-            </a:r>
-            <a:r>
-              <a:rPr lang="pt-BR" sz="2800" dirty="0" smtClean="0"/>
-              <a:t>do endereço que representa </a:t>
-            </a:r>
-            <a:r>
-              <a:rPr lang="pt-BR" sz="2800" dirty="0" smtClean="0"/>
-              <a:t>a subrede</a:t>
+              <a:t>Notação a.b.c.d/x, onde x é o # de bits na  porção do endereço que representa a subrede</a:t>
             </a:r>
             <a:endParaRPr lang="pt-BR" sz="2800" dirty="0"/>
           </a:p>
@@ -9005,34 +8917,14 @@
             <a:pPr lvl="1"/>
             <a:r>
               <a:rPr lang="pt-BR" dirty="0" smtClean="0"/>
-              <a:t>Arquivo </a:t>
-            </a:r>
+              <a:t>Arquivo de configuração </a:t>
+            </a:r>
+          </a:p>
+          <a:p>
+            <a:pPr lvl="2"/>
             <a:r>
               <a:rPr lang="pt-BR" dirty="0" smtClean="0"/>
-              <a:t>de </a:t>
-            </a:r>
-            <a:r>
-              <a:rPr lang="pt-BR" dirty="0" smtClean="0"/>
-              <a:t>configuração </a:t>
-            </a:r>
-          </a:p>
-          <a:p>
-            <a:pPr lvl="2"/>
-            <a:r>
-              <a:rPr lang="pt-BR" dirty="0" smtClean="0"/>
-              <a:t>Windows: </a:t>
-            </a:r>
-            <a:r>
-              <a:rPr lang="pt-BR" dirty="0" smtClean="0"/>
-              <a:t>control-panel-&gt;network-&gt;</a:t>
-            </a:r>
-            <a:r>
-              <a:rPr lang="pt-BR" dirty="0" smtClean="0"/>
-              <a:t>configuration-&gt;tcp/ip-</a:t>
-            </a:r>
-            <a:r>
-              <a:rPr lang="pt-BR" dirty="0" smtClean="0"/>
-              <a:t>&gt;properties</a:t>
+              <a:t>Windows: control-panel-&gt;network-&gt;configuration-&gt;tcp/ip-&gt;properties</a:t>
             </a:r>
           </a:p>
           <a:p>
@@ -9043,36 +8935,20 @@
             </a:r>
             <a:r>
               <a:rPr lang="pt-BR" dirty="0" smtClean="0"/>
-              <a:t>UNIX: /</a:t>
-            </a:r>
+              <a:t>UNIX: /etc/rc.config</a:t>
+            </a:r>
+          </a:p>
+          <a:p>
             <a:r>
               <a:rPr lang="pt-BR" dirty="0" smtClean="0"/>
-              <a:t>etc/rc.config</a:t>
-            </a:r>
-          </a:p>
-          <a:p>
+              <a:t>DHCP: Dynamic Host Configuration Protocol:</a:t>
+            </a:r>
+          </a:p>
+          <a:p>
+            <a:pPr lvl="1"/>
             <a:r>
               <a:rPr lang="pt-BR" dirty="0" smtClean="0"/>
-              <a:t>DHCP: Dynamic Host Configuration Protocol</a:t>
-            </a:r>
-            <a:r>
-              <a:rPr lang="pt-BR" dirty="0" smtClean="0"/>
-              <a:t>:</a:t>
-            </a:r>
-          </a:p>
-          <a:p>
-            <a:pPr lvl="1"/>
-            <a:r>
-              <a:rPr lang="pt-BR" dirty="0" smtClean="0"/>
-              <a:t>obtem dinamicamente </a:t>
-            </a:r>
-            <a:r>
-              <a:rPr lang="pt-BR" dirty="0" smtClean="0"/>
-              <a:t>um endereço através de um </a:t>
-            </a:r>
-            <a:r>
-              <a:rPr lang="pt-BR" dirty="0" smtClean="0"/>
-              <a:t>servidor</a:t>
+              <a:t>obtem dinamicamente um endereço através de um servidor</a:t>
             </a:r>
           </a:p>
           <a:p>
@@ -9358,85 +9234,25 @@
           <a:p>
             <a:r>
               <a:rPr lang="pt-BR" sz="2800" dirty="0" smtClean="0"/>
-              <a:t>Rede </a:t>
-            </a:r>
+              <a:t>Rede local usa somente um único endereço IP quando há necessidade de falar com o mundo externo</a:t>
+            </a:r>
+          </a:p>
+          <a:p>
             <a:r>
               <a:rPr lang="pt-BR" sz="2800" dirty="0" smtClean="0"/>
-              <a:t>local usa somente um único endereço </a:t>
-            </a:r>
+              <a:t>Pode mudar endereço de dispositivos na rede local sem necessidade de notificar o mundo externo</a:t>
+            </a:r>
+          </a:p>
+          <a:p>
             <a:r>
               <a:rPr lang="pt-BR" sz="2800" dirty="0" smtClean="0"/>
-              <a:t>IP quando </a:t>
-            </a:r>
+              <a:t> Pode mudar o ISP sem mudar o endereço dos dispositivos na rede local </a:t>
+            </a:r>
+          </a:p>
+          <a:p>
             <a:r>
               <a:rPr lang="pt-BR" sz="2800" dirty="0" smtClean="0"/>
-              <a:t>há necessidade de falar com o mundo </a:t>
-            </a:r>
-            <a:r>
-              <a:rPr lang="pt-BR" sz="2800" dirty="0" smtClean="0"/>
-              <a:t>externo</a:t>
-            </a:r>
-          </a:p>
-          <a:p>
-            <a:r>
-              <a:rPr lang="pt-BR" sz="2800" dirty="0" smtClean="0"/>
-              <a:t>Pode mudar endereço de dispositivos na rede </a:t>
-            </a:r>
-            <a:r>
-              <a:rPr lang="pt-BR" sz="2800" dirty="0" smtClean="0"/>
-              <a:t>local sem </a:t>
-            </a:r>
-            <a:r>
-              <a:rPr lang="pt-BR" sz="2800" dirty="0" smtClean="0"/>
-              <a:t>necessidade de notificar o mundo externo</a:t>
-            </a:r>
-          </a:p>
-          <a:p>
-            <a:r>
-              <a:rPr lang="pt-BR" sz="2800" dirty="0" smtClean="0"/>
-              <a:t> Pode mudar o ISP sem mudar o endereço </a:t>
-            </a:r>
-            <a:r>
-              <a:rPr lang="pt-BR" sz="2800" dirty="0" smtClean="0"/>
-              <a:t>dos dispositivos </a:t>
-            </a:r>
-            <a:r>
-              <a:rPr lang="pt-BR" sz="2800" dirty="0" smtClean="0"/>
-              <a:t>na rede </a:t>
-            </a:r>
-            <a:r>
-              <a:rPr lang="pt-BR" sz="2800" dirty="0" smtClean="0"/>
-              <a:t>local </a:t>
-            </a:r>
-          </a:p>
-          <a:p>
-            <a:r>
-              <a:rPr lang="pt-BR" sz="2800" dirty="0" smtClean="0"/>
-              <a:t>Dispositivos </a:t>
-            </a:r>
-            <a:r>
-              <a:rPr lang="pt-BR" sz="2800" dirty="0" smtClean="0"/>
-              <a:t>dentro da rede local não </a:t>
-            </a:r>
-            <a:r>
-              <a:rPr lang="pt-BR" sz="2800" dirty="0" smtClean="0"/>
-              <a:t>são explicitamente </a:t>
-            </a:r>
-            <a:r>
-              <a:rPr lang="pt-BR" sz="2800" dirty="0" smtClean="0"/>
-              <a:t>endereçáveis, ou seja, não são </a:t>
-            </a:r>
-            <a:r>
-              <a:rPr lang="pt-BR" sz="2800" dirty="0" smtClean="0"/>
-              <a:t>visíveis pelo </a:t>
-            </a:r>
-            <a:r>
-              <a:rPr lang="pt-BR" sz="2800" dirty="0" smtClean="0"/>
-              <a:t>mundo </a:t>
-            </a:r>
-            <a:r>
-              <a:rPr lang="pt-BR" sz="2800" dirty="0" smtClean="0"/>
-              <a:t>externo</a:t>
+              <a:t>Dispositivos dentro da rede local não são explicitamente endereçáveis, ou seja, não são visíveis pelo mundo externo</a:t>
             </a:r>
             <a:endParaRPr lang="pt-BR" sz="2800" dirty="0"/>
           </a:p>
@@ -9632,34 +9448,13 @@
           <a:p>
             <a:r>
               <a:rPr lang="pt-BR" dirty="0" smtClean="0"/>
-              <a:t>Reportagem de erro: host</a:t>
-            </a:r>
+              <a:t>Reportagem de erro: host, rede, porta, protocolo inalcançável</a:t>
+            </a:r>
+          </a:p>
+          <a:p>
             <a:r>
               <a:rPr lang="pt-BR" dirty="0" smtClean="0"/>
-              <a:t>, rede</a:t>
-            </a:r>
-            <a:r>
-              <a:rPr lang="pt-BR" dirty="0" smtClean="0"/>
-              <a:t>, porta, </a:t>
-            </a:r>
-            <a:r>
-              <a:rPr lang="pt-BR" dirty="0" smtClean="0"/>
-              <a:t>protocolo inalcançável</a:t>
-            </a:r>
-            <a:endParaRPr lang="pt-BR" dirty="0" smtClean="0"/>
-          </a:p>
-          <a:p>
-            <a:r>
-              <a:rPr lang="pt-BR" dirty="0" smtClean="0"/>
-              <a:t> echo request/reply (</a:t>
-            </a:r>
-            <a:r>
-              <a:rPr lang="pt-BR" dirty="0" smtClean="0"/>
-              <a:t>usado pelo </a:t>
-            </a:r>
-            <a:r>
-              <a:rPr lang="pt-BR" dirty="0" smtClean="0"/>
-              <a:t>ping)</a:t>
+              <a:t> echo request/reply (usado pelo ping)</a:t>
             </a:r>
             <a:endParaRPr lang="pt-BR" dirty="0"/>
           </a:p>
@@ -9787,65 +9582,28 @@
             <a:pPr lvl="1"/>
             <a:r>
               <a:rPr lang="pt-BR" sz="2400" dirty="0" smtClean="0"/>
-              <a:t>Fonte envia uma série </a:t>
-            </a:r>
-            <a:r>
-              <a:rPr lang="pt-BR" sz="2400" dirty="0" smtClean="0"/>
-              <a:t>de segmentos </a:t>
-            </a:r>
-            <a:r>
-              <a:rPr lang="pt-BR" sz="2400" dirty="0" smtClean="0"/>
-              <a:t>UDP para </a:t>
-            </a:r>
-            <a:r>
-              <a:rPr lang="pt-BR" sz="2400" dirty="0" smtClean="0"/>
-              <a:t>o destino</a:t>
-            </a:r>
-            <a:endParaRPr lang="pt-BR" sz="2400" dirty="0" smtClean="0"/>
+              <a:t>Fonte envia uma série de segmentos UDP para o destino</a:t>
+            </a:r>
           </a:p>
           <a:p>
             <a:pPr lvl="2"/>
             <a:r>
               <a:rPr lang="pt-BR" sz="2000" dirty="0" smtClean="0"/>
-              <a:t>O </a:t>
-            </a:r>
+              <a:t>O 1º possui TTL =1</a:t>
+            </a:r>
+          </a:p>
+          <a:p>
+            <a:pPr lvl="2"/>
             <a:r>
               <a:rPr lang="pt-BR" sz="2000" dirty="0" smtClean="0"/>
-              <a:t>1º possui TTL =</a:t>
-            </a:r>
+              <a:t>O 2º possui TTL=2, etc.</a:t>
+            </a:r>
+          </a:p>
+          <a:p>
+            <a:pPr lvl="2"/>
             <a:r>
               <a:rPr lang="pt-BR" sz="2000" dirty="0" smtClean="0"/>
-              <a:t>1</a:t>
-            </a:r>
-          </a:p>
-          <a:p>
-            <a:pPr lvl="2"/>
-            <a:r>
-              <a:rPr lang="pt-BR" sz="2000" dirty="0" smtClean="0"/>
-              <a:t>O </a:t>
-            </a:r>
-            <a:r>
-              <a:rPr lang="pt-BR" sz="2000" dirty="0" smtClean="0"/>
-              <a:t>2º possui TTL=2, etc</a:t>
-            </a:r>
-            <a:r>
-              <a:rPr lang="pt-BR" sz="2000" dirty="0" smtClean="0"/>
-              <a:t>.</a:t>
-            </a:r>
-          </a:p>
-          <a:p>
-            <a:pPr lvl="2"/>
-            <a:r>
-              <a:rPr lang="pt-BR" sz="2000" dirty="0" smtClean="0"/>
-              <a:t>Número </a:t>
-            </a:r>
-            <a:r>
-              <a:rPr lang="pt-BR" sz="2000" dirty="0" smtClean="0"/>
-              <a:t>de </a:t>
-            </a:r>
-            <a:r>
-              <a:rPr lang="pt-BR" sz="2000" dirty="0" smtClean="0"/>
-              <a:t>porta improvável</a:t>
+              <a:t>Número de porta improvável</a:t>
             </a:r>
           </a:p>
           <a:p>
@@ -9854,25 +9612,12 @@
               <a:rPr lang="pt-BR" sz="2000" dirty="0" smtClean="0"/>
               <a:t>Para cada salto, 3 segmentos e cálculo do RTT</a:t>
             </a:r>
-            <a:endParaRPr lang="pt-BR" sz="2000" dirty="0" smtClean="0"/>
           </a:p>
           <a:p>
             <a:pPr lvl="1"/>
             <a:r>
               <a:rPr lang="pt-BR" sz="2400" dirty="0" smtClean="0"/>
-              <a:t>Quando </a:t>
-            </a:r>
-            <a:r>
-              <a:rPr lang="pt-BR" sz="2400" dirty="0" smtClean="0"/>
-              <a:t>enésimo </a:t>
-            </a:r>
-            <a:r>
-              <a:rPr lang="pt-BR" sz="2400" dirty="0" smtClean="0"/>
-              <a:t>datagrama chega </a:t>
-            </a:r>
-            <a:r>
-              <a:rPr lang="pt-BR" sz="2400" dirty="0" smtClean="0"/>
-              <a:t>ao enésimo roteador:</a:t>
+              <a:t>Quando enésimo datagrama chega ao enésimo roteador:</a:t>
             </a:r>
           </a:p>
           <a:p>
@@ -9881,29 +9626,12 @@
               <a:rPr lang="pt-BR" sz="2000" dirty="0" smtClean="0"/>
               <a:t>Roteador descarta datagrama</a:t>
             </a:r>
-            <a:endParaRPr lang="pt-BR" sz="2000" dirty="0" smtClean="0"/>
           </a:p>
           <a:p>
             <a:pPr lvl="2"/>
             <a:r>
               <a:rPr lang="pt-BR" sz="2000" dirty="0" smtClean="0"/>
-              <a:t>E </a:t>
-            </a:r>
-            <a:r>
-              <a:rPr lang="pt-BR" sz="2000" dirty="0" smtClean="0"/>
-              <a:t>envia para a fonte </a:t>
-            </a:r>
-            <a:r>
-              <a:rPr lang="pt-BR" sz="2000" dirty="0" smtClean="0"/>
-              <a:t>um mensagem </a:t>
-            </a:r>
-            <a:r>
-              <a:rPr lang="pt-BR" sz="2000" dirty="0" smtClean="0"/>
-              <a:t>ICMP </a:t>
-            </a:r>
-            <a:r>
-              <a:rPr lang="pt-BR" sz="2000" dirty="0" smtClean="0"/>
-              <a:t>“TTL expired”</a:t>
+              <a:t>E envia para a fonte um mensagem ICMP “TTL expired”</a:t>
             </a:r>
           </a:p>
           <a:p>
@@ -9912,7 +9640,6 @@
               <a:rPr lang="pt-BR" sz="2000" dirty="0" smtClean="0"/>
               <a:t>Quando chegar ao deestino, responde com “host unreachable”</a:t>
             </a:r>
-            <a:endParaRPr lang="pt-BR" sz="2000" dirty="0" smtClean="0"/>
           </a:p>
         </p:txBody>
       </p:sp>
@@ -10267,11 +9994,7 @@
           <a:p>
             <a:r>
               <a:rPr lang="pt-BR" sz="2400" dirty="0" smtClean="0"/>
-              <a:t>Client </a:t>
-            </a:r>
-            <a:r>
-              <a:rPr lang="pt-BR" sz="2400" dirty="0" smtClean="0"/>
-              <a:t>e telnet</a:t>
+              <a:t>Client e telnet</a:t>
             </a:r>
           </a:p>
           <a:p>
@@ -10313,7 +10036,6 @@
               <a:rPr lang="pt-BR" sz="2000" dirty="0" smtClean="0"/>
               <a:t>Criar a topologia de nós e links com a GUI</a:t>
             </a:r>
-            <a:endParaRPr lang="pt-BR" sz="2000" dirty="0" smtClean="0"/>
           </a:p>
           <a:p>
             <a:pPr lvl="1"/>
@@ -10321,45 +10043,23 @@
               <a:rPr lang="pt-BR" sz="2000" dirty="0" smtClean="0"/>
               <a:t>Salvar topologia como XML</a:t>
             </a:r>
-            <a:endParaRPr lang="pt-BR" sz="2000" dirty="0" smtClean="0"/>
           </a:p>
           <a:p>
             <a:pPr lvl="1"/>
             <a:r>
               <a:rPr lang="pt-BR" sz="2000" dirty="0" smtClean="0"/>
-              <a:t>Inicia o back </a:t>
-            </a:r>
+              <a:t>Inicia o back end para a criação dos nós</a:t>
+            </a:r>
+          </a:p>
+          <a:p>
+            <a:pPr lvl="1"/>
             <a:r>
               <a:rPr lang="pt-BR" sz="2000" dirty="0" smtClean="0"/>
-              <a:t>end </a:t>
+              <a:t>Conectar </a:t>
             </a:r>
             <a:r>
               <a:rPr lang="pt-BR" sz="2000" dirty="0" smtClean="0"/>
-              <a:t>para a criação dos nós</a:t>
-            </a:r>
-            <a:endParaRPr lang="pt-BR" sz="2000" dirty="0" smtClean="0"/>
-          </a:p>
-          <a:p>
-            <a:pPr lvl="1"/>
-            <a:r>
-              <a:rPr lang="pt-BR" sz="2000" dirty="0" smtClean="0"/>
-              <a:t>Connectar </a:t>
-            </a:r>
-            <a:r>
-              <a:rPr lang="pt-BR" sz="2000" dirty="0" smtClean="0"/>
-              <a:t>the front-end </a:t>
-            </a:r>
-            <a:r>
-              <a:rPr lang="pt-BR" sz="2000" dirty="0" smtClean="0"/>
-              <a:t>ao </a:t>
-            </a:r>
-            <a:r>
-              <a:rPr lang="pt-BR" sz="2000" dirty="0" smtClean="0"/>
-              <a:t>back-end </a:t>
-            </a:r>
-            <a:r>
-              <a:rPr lang="pt-BR" sz="2000" dirty="0" smtClean="0"/>
-              <a:t>para enviar pacotes ping ou traceroute.</a:t>
+              <a:t>the front-end ao back-end para enviar pacotes ping ou traceroute.</a:t>
             </a:r>
             <a:endParaRPr lang="pt-BR" sz="2000" dirty="0"/>
           </a:p>
@@ -10446,8 +10146,9 @@
             </a:r>
             <a:r>
               <a:rPr lang="pt-BR" dirty="0" smtClean="0"/>
-              <a:t>jre-7u79-windows-x64.tar.gz</a:t>
-            </a:r>
+              <a:t>jre-7u79-windows-i586.tar.gz</a:t>
+            </a:r>
+            <a:endParaRPr lang="pt-BR" dirty="0" smtClean="0"/>
           </a:p>
           <a:p>
             <a:r>
@@ -10532,11 +10233,7 @@
             </a:pPr>
             <a:r>
               <a:rPr lang="pt-BR" dirty="0" smtClean="0"/>
-              <a:t>Iniciar o </a:t>
-            </a:r>
-            <a:r>
-              <a:rPr lang="pt-BR" dirty="0" smtClean="0"/>
-              <a:t>frontend</a:t>
+              <a:t>Iniciar o frontend</a:t>
             </a:r>
           </a:p>
           <a:p>
@@ -10550,13 +10247,8 @@
             <a:pPr marL="742950" lvl="2" indent="-342900"/>
             <a:r>
               <a:rPr lang="pt-BR" dirty="0" smtClean="0"/>
-              <a:t>Acesse a pasta </a:t>
-            </a:r>
-            <a:r>
-              <a:rPr lang="pt-BR" dirty="0" smtClean="0"/>
-              <a:t>psimulator2_2012-05-16</a:t>
-            </a:r>
-            <a:endParaRPr lang="pt-BR" dirty="0" smtClean="0"/>
+              <a:t>Acesse a pasta psimulator2_2012-05-16</a:t>
+            </a:r>
           </a:p>
           <a:p>
             <a:pPr marL="742950" lvl="2" indent="-342900"/>
@@ -10572,21 +10264,7 @@
                 <a:latin typeface="Courier New" pitchFamily="49" charset="0"/>
                 <a:cs typeface="Courier New" pitchFamily="49" charset="0"/>
               </a:rPr>
-              <a:t>..\jre1.7.0_79\bin\java.exe </a:t>
-            </a:r>
-            <a:r>
-              <a:rPr lang="pt-BR" sz="1600" dirty="0" smtClean="0">
-                <a:latin typeface="Courier New" pitchFamily="49" charset="0"/>
-                <a:cs typeface="Courier New" pitchFamily="49" charset="0"/>
-              </a:rPr>
-              <a:t>-jar </a:t>
-            </a:r>
-            <a:r>
-              <a:rPr lang="pt-BR" sz="1600" dirty="0" smtClean="0">
-                <a:latin typeface="Courier New" pitchFamily="49" charset="0"/>
-                <a:cs typeface="Courier New" pitchFamily="49" charset="0"/>
-              </a:rPr>
-              <a:t>psimulator2_frontend.jar</a:t>
+              <a:t>..\jre1.7.0_79\bin\java.exe -jar psimulator2_frontend.jar</a:t>
             </a:r>
           </a:p>
           <a:p>
@@ -11858,28 +11536,7 @@
                 <a:latin typeface="Courier New" pitchFamily="49" charset="0"/>
                 <a:cs typeface="Courier New" pitchFamily="49" charset="0"/>
               </a:rPr>
-              <a:t>..\jre1.7.0_79\bin\java.exe </a:t>
-            </a:r>
-            <a:r>
-              <a:rPr lang="pt-BR" sz="2000" dirty="0" smtClean="0">
-                <a:latin typeface="Courier New" pitchFamily="49" charset="0"/>
-                <a:cs typeface="Courier New" pitchFamily="49" charset="0"/>
-              </a:rPr>
-              <a:t>-</a:t>
-            </a:r>
-            <a:r>
-              <a:rPr lang="pt-BR" sz="2000" dirty="0" smtClean="0">
-                <a:latin typeface="Courier New" pitchFamily="49" charset="0"/>
-                <a:cs typeface="Courier New" pitchFamily="49" charset="0"/>
-              </a:rPr>
-              <a:t>jar psimulator2_backend.jar </a:t>
-            </a:r>
-            <a:r>
-              <a:rPr lang="pt-BR" sz="2000" dirty="0" smtClean="0">
-                <a:latin typeface="Courier New" pitchFamily="49" charset="0"/>
-                <a:cs typeface="Courier New" pitchFamily="49" charset="0"/>
-              </a:rPr>
-              <a:t>&lt;caminho&gt;\test-topology.xml</a:t>
+              <a:t>..\jre1.7.0_79\bin\java.exe -jar psimulator2_backend.jar &lt;caminho&gt;\test-topology.xml</a:t>
             </a:r>
           </a:p>
           <a:p>
@@ -12032,15 +11689,43 @@
             <p:ph idx="1"/>
           </p:nvPr>
         </p:nvSpPr>
-        <p:spPr/>
+        <p:spPr>
+          <a:xfrm>
+            <a:off x="0" y="1600200"/>
+            <a:ext cx="9144000" cy="4525963"/>
+          </a:xfrm>
+        </p:spPr>
         <p:txBody>
           <a:bodyPr/>
           <a:lstStyle/>
           <a:p>
             <a:r>
               <a:rPr lang="pt-BR" dirty="0" smtClean="0"/>
-              <a:t>Conectar frontend com backend</a:t>
-            </a:r>
+              <a:t>Conectar frontend com </a:t>
+            </a:r>
+            <a:r>
+              <a:rPr lang="pt-BR" dirty="0" smtClean="0"/>
+              <a:t>backend</a:t>
+            </a:r>
+          </a:p>
+          <a:p>
+            <a:pPr lvl="1"/>
+            <a:r>
+              <a:rPr lang="pt-BR" dirty="0" smtClean="0"/>
+              <a:t>Clique no botão “Simulador”-&gt; “Connect to server” -</a:t>
+            </a:r>
+            <a:r>
+              <a:rPr lang="pt-BR" dirty="0" smtClean="0">
+                <a:sym typeface="Wingdings" pitchFamily="2" charset="2"/>
+              </a:rPr>
+              <a:t> OK</a:t>
+            </a:r>
+            <a:endParaRPr lang="pt-BR" dirty="0" smtClean="0"/>
+          </a:p>
+          <a:p>
+            <a:pPr lvl="1">
+              <a:buNone/>
+            </a:pPr>
             <a:endParaRPr lang="pt-BR" dirty="0"/>
           </a:p>
         </p:txBody>
@@ -12062,7 +11747,7 @@
         </p:blipFill>
         <p:spPr bwMode="auto">
           <a:xfrm>
-            <a:off x="1691680" y="2348880"/>
+            <a:off x="1763688" y="2714624"/>
             <a:ext cx="5524500" cy="4143376"/>
           </a:xfrm>
           <a:prstGeom prst="rect">
@@ -12154,11 +11839,7 @@
             <a:pPr lvl="1"/>
             <a:r>
               <a:rPr lang="pt-BR" dirty="0" smtClean="0"/>
-              <a:t>use o putty com o radio button marcado no ‘telnet</a:t>
-            </a:r>
-            <a:r>
-              <a:rPr lang="pt-BR" dirty="0" smtClean="0"/>
-              <a:t>’</a:t>
+              <a:t>use o putty com o radio button marcado no ‘telnet’</a:t>
             </a:r>
           </a:p>
           <a:p>
@@ -12266,37 +11947,49 @@
           <a:lstStyle/>
           <a:p>
             <a:r>
-              <a:rPr lang="pt-BR" dirty="0" smtClean="0"/>
+              <a:rPr lang="pt-BR" sz="2400" dirty="0" smtClean="0"/>
               <a:t>Editando as tabelas de roteamento</a:t>
             </a:r>
           </a:p>
           <a:p>
             <a:r>
-              <a:rPr lang="pt-BR" dirty="0" smtClean="0"/>
+              <a:rPr lang="pt-BR" sz="2400" dirty="0" smtClean="0"/>
               <a:t>Conecte-se ao </a:t>
             </a:r>
             <a:r>
-              <a:rPr lang="pt-BR" i="1" dirty="0" smtClean="0"/>
+              <a:rPr lang="pt-BR" sz="2400" i="1" dirty="0" smtClean="0"/>
               <a:t>Router 0</a:t>
             </a:r>
             <a:r>
-              <a:rPr lang="pt-BR" dirty="0" smtClean="0"/>
-              <a:t> e execute o seguinte comando</a:t>
-            </a:r>
-          </a:p>
-          <a:p>
-            <a:pPr algn="ctr">
+              <a:rPr lang="pt-BR" sz="2400" dirty="0" smtClean="0"/>
+              <a:t> e execute o seguinte </a:t>
+            </a:r>
+            <a:r>
+              <a:rPr lang="pt-BR" sz="2400" dirty="0" smtClean="0"/>
+              <a:t>comando para editar o arquivo ip_forward</a:t>
+            </a:r>
+            <a:endParaRPr lang="pt-BR" sz="2400" dirty="0" smtClean="0"/>
+          </a:p>
+          <a:p>
+            <a:pPr>
               <a:buNone/>
             </a:pPr>
             <a:r>
-              <a:rPr lang="pt-BR" sz="2400" dirty="0" smtClean="0">
+              <a:rPr lang="pt-BR" sz="1800" dirty="0" smtClean="0">
                 <a:latin typeface="Courier New" pitchFamily="49" charset="0"/>
                 <a:cs typeface="Courier New" pitchFamily="49" charset="0"/>
               </a:rPr>
-              <a:t># editor /</a:t>
-            </a:r>
-            <a:r>
-              <a:rPr lang="pt-BR" sz="2400" dirty="0" smtClean="0">
+              <a:t>#editor </a:t>
+            </a:r>
+            <a:r>
+              <a:rPr lang="pt-BR" sz="1800" dirty="0" smtClean="0">
+                <a:latin typeface="Courier New" pitchFamily="49" charset="0"/>
+                <a:cs typeface="Courier New" pitchFamily="49" charset="0"/>
+              </a:rPr>
+              <a:t>/</a:t>
+            </a:r>
+            <a:r>
+              <a:rPr lang="pt-BR" sz="1800" dirty="0" smtClean="0">
                 <a:latin typeface="Courier New" pitchFamily="49" charset="0"/>
                 <a:cs typeface="Courier New" pitchFamily="49" charset="0"/>
               </a:rPr>
@@ -12304,40 +11997,80 @@
             </a:r>
           </a:p>
           <a:p>
-            <a:pPr algn="ctr">
+            <a:pPr lvl="1"/>
+            <a:r>
+              <a:rPr lang="pt-BR" sz="2000" dirty="0" smtClean="0"/>
+              <a:t>Modifique de 0 para 1 e salve com Ctrl+S </a:t>
+            </a:r>
+          </a:p>
+          <a:p>
+            <a:pPr lvl="1"/>
+            <a:r>
+              <a:rPr lang="pt-BR" sz="2000" dirty="0" smtClean="0"/>
+              <a:t>Tecle Ctrl+X para sair da edição</a:t>
+            </a:r>
+          </a:p>
+          <a:p>
+            <a:r>
+              <a:rPr lang="pt-BR" sz="2400" dirty="0" smtClean="0"/>
+              <a:t>Adicione uma rota para a rede 10.0.200.0/24</a:t>
+            </a:r>
+            <a:endParaRPr lang="pt-BR" sz="2400" dirty="0" smtClean="0"/>
+          </a:p>
+          <a:p>
+            <a:pPr>
               <a:buNone/>
             </a:pPr>
             <a:r>
-              <a:rPr lang="pt-BR" sz="2400" dirty="0" smtClean="0">
+              <a:rPr lang="pt-BR" sz="1800" dirty="0" smtClean="0">
                 <a:latin typeface="Courier New" pitchFamily="49" charset="0"/>
                 <a:cs typeface="Courier New" pitchFamily="49" charset="0"/>
               </a:rPr>
-              <a:t># ip route add 10.0.200.0/24 via 10.0.1.2</a:t>
-            </a:r>
-          </a:p>
-          <a:p>
-            <a:r>
-              <a:rPr lang="pt-BR" dirty="0" smtClean="0"/>
-              <a:t>Faça o mesmo com o </a:t>
-            </a:r>
-            <a:r>
-              <a:rPr lang="pt-BR" i="1" dirty="0" smtClean="0"/>
-              <a:t>Router 1</a:t>
-            </a:r>
-          </a:p>
-          <a:p>
-            <a:pPr algn="ctr">
-              <a:buNone/>
-            </a:pPr>
-            <a:r>
-              <a:rPr lang="pt-BR" sz="2400" dirty="0" smtClean="0">
+              <a:t>#ip </a:t>
+            </a:r>
+            <a:r>
+              <a:rPr lang="pt-BR" sz="1800" dirty="0" smtClean="0">
                 <a:latin typeface="Courier New" pitchFamily="49" charset="0"/>
                 <a:cs typeface="Courier New" pitchFamily="49" charset="0"/>
               </a:rPr>
-              <a:t># editor /</a:t>
-            </a:r>
-            <a:r>
-              <a:rPr lang="pt-BR" sz="2400" dirty="0" smtClean="0">
+              <a:t>route add 10.0.200.0/24 via 10.0.1.2</a:t>
+            </a:r>
+          </a:p>
+          <a:p>
+            <a:r>
+              <a:rPr lang="pt-BR" sz="2400" dirty="0" smtClean="0"/>
+              <a:t>Faça o mesmo com o </a:t>
+            </a:r>
+            <a:r>
+              <a:rPr lang="pt-BR" sz="2400" i="1" dirty="0" smtClean="0"/>
+              <a:t>Router </a:t>
+            </a:r>
+            <a:r>
+              <a:rPr lang="pt-BR" sz="2400" i="1" dirty="0" smtClean="0"/>
+              <a:t>1:</a:t>
+            </a:r>
+            <a:endParaRPr lang="pt-BR" sz="2400" i="1" dirty="0" smtClean="0"/>
+          </a:p>
+          <a:p>
+            <a:pPr>
+              <a:buNone/>
+            </a:pPr>
+            <a:r>
+              <a:rPr lang="pt-BR" sz="1800" dirty="0" smtClean="0">
+                <a:latin typeface="Courier New" pitchFamily="49" charset="0"/>
+                <a:cs typeface="Courier New" pitchFamily="49" charset="0"/>
+              </a:rPr>
+              <a:t>#editor </a:t>
+            </a:r>
+            <a:r>
+              <a:rPr lang="pt-BR" sz="1800" dirty="0" smtClean="0">
+                <a:latin typeface="Courier New" pitchFamily="49" charset="0"/>
+                <a:cs typeface="Courier New" pitchFamily="49" charset="0"/>
+              </a:rPr>
+              <a:t>/</a:t>
+            </a:r>
+            <a:r>
+              <a:rPr lang="pt-BR" sz="1800" dirty="0" smtClean="0">
                 <a:latin typeface="Courier New" pitchFamily="49" charset="0"/>
                 <a:cs typeface="Courier New" pitchFamily="49" charset="0"/>
               </a:rPr>
@@ -12345,22 +12078,63 @@
             </a:r>
           </a:p>
           <a:p>
-            <a:pPr algn="ctr">
+            <a:pPr lvl="1"/>
+            <a:r>
+              <a:rPr lang="pt-BR" sz="2000" dirty="0" smtClean="0"/>
+              <a:t>Modifique de 0 para 1 e salve com Ctrl+S </a:t>
+            </a:r>
+          </a:p>
+          <a:p>
+            <a:pPr lvl="1"/>
+            <a:r>
+              <a:rPr lang="pt-BR" sz="2000" dirty="0" smtClean="0"/>
+              <a:t>Tecle Ctrl+X para sair da </a:t>
+            </a:r>
+            <a:r>
+              <a:rPr lang="pt-BR" sz="2000" dirty="0" smtClean="0"/>
+              <a:t>edição</a:t>
+            </a:r>
+          </a:p>
+          <a:p>
+            <a:r>
+              <a:rPr lang="pt-BR" sz="2000" dirty="0" smtClean="0"/>
+              <a:t>Adicione uma rota para a rede </a:t>
+            </a:r>
+            <a:r>
+              <a:rPr lang="pt-BR" sz="2000" dirty="0" smtClean="0"/>
+              <a:t>10.0.100.0/24</a:t>
+            </a:r>
+            <a:endParaRPr lang="pt-BR" sz="2000" dirty="0" smtClean="0">
+              <a:latin typeface="Courier New" pitchFamily="49" charset="0"/>
+              <a:cs typeface="Courier New" pitchFamily="49" charset="0"/>
+            </a:endParaRPr>
+          </a:p>
+          <a:p>
+            <a:pPr>
               <a:buNone/>
             </a:pPr>
             <a:r>
-              <a:rPr lang="pt-BR" sz="2400" dirty="0" smtClean="0">
+              <a:rPr lang="pt-BR" sz="1800" dirty="0" smtClean="0">
                 <a:latin typeface="Courier New" pitchFamily="49" charset="0"/>
                 <a:cs typeface="Courier New" pitchFamily="49" charset="0"/>
               </a:rPr>
-              <a:t># ip route add 10.0.100.0/24 via 10.0.1.1</a:t>
-            </a:r>
-          </a:p>
-          <a:p>
-            <a:pPr algn="ctr">
-              <a:buNone/>
-            </a:pPr>
-            <a:endParaRPr lang="pt-BR" sz="2400" dirty="0" smtClean="0">
+              <a:t>#ip </a:t>
+            </a:r>
+            <a:r>
+              <a:rPr lang="pt-BR" sz="1800" dirty="0" smtClean="0">
+                <a:latin typeface="Courier New" pitchFamily="49" charset="0"/>
+                <a:cs typeface="Courier New" pitchFamily="49" charset="0"/>
+              </a:rPr>
+              <a:t>route add 10.0.100.0/24 via </a:t>
+            </a:r>
+            <a:r>
+              <a:rPr lang="pt-BR" sz="1800" dirty="0" smtClean="0">
+                <a:latin typeface="Courier New" pitchFamily="49" charset="0"/>
+                <a:cs typeface="Courier New" pitchFamily="49" charset="0"/>
+              </a:rPr>
+              <a:t>10.0.1.1</a:t>
+            </a:r>
+            <a:endParaRPr lang="pt-BR" sz="2000" dirty="0" smtClean="0">
               <a:latin typeface="Courier New" pitchFamily="49" charset="0"/>
               <a:cs typeface="Courier New" pitchFamily="49" charset="0"/>
             </a:endParaRPr>
@@ -12781,14 +12555,7 @@
                 <a:latin typeface="Courier New" pitchFamily="49" charset="0"/>
                 <a:cs typeface="Courier New" pitchFamily="49" charset="0"/>
               </a:rPr>
-              <a:t>Router </a:t>
-            </a:r>
-            <a:r>
-              <a:rPr lang="pt-BR" sz="2000" i="1" dirty="0" smtClean="0">
-                <a:latin typeface="Courier New" pitchFamily="49" charset="0"/>
-                <a:cs typeface="Courier New" pitchFamily="49" charset="0"/>
-              </a:rPr>
-              <a:t>1</a:t>
+              <a:t>Router 1</a:t>
             </a:r>
             <a:r>
               <a:rPr lang="pt-BR" sz="2000" dirty="0" smtClean="0">
@@ -12797,10 +12564,6 @@
               </a:rPr>
               <a:t>:</a:t>
             </a:r>
-            <a:endParaRPr lang="pt-BR" sz="2000" dirty="0" smtClean="0">
-              <a:latin typeface="Courier New" pitchFamily="49" charset="0"/>
-              <a:cs typeface="Courier New" pitchFamily="49" charset="0"/>
-            </a:endParaRPr>
           </a:p>
           <a:p>
             <a:pPr marL="0" marR="0" lvl="0" indent="0" algn="l" defTabSz="914400" rtl="0" eaLnBrk="0" fontAlgn="base" latinLnBrk="0" hangingPunct="0">
@@ -12831,8 +12594,33 @@
                 <a:latin typeface="Courier New" pitchFamily="49" charset="0"/>
                 <a:cs typeface="Courier New" pitchFamily="49" charset="0"/>
               </a:rPr>
-              <a:t># ip route add default via 10.0.200.1 </a:t>
-            </a:r>
+              <a:t># </a:t>
+            </a:r>
+            <a:r>
+              <a:rPr kumimoji="0" lang="pt-BR" sz="2000" b="0" i="0" u="none" strike="noStrike" cap="none" normalizeH="0" baseline="0" dirty="0" smtClean="0">
+                <a:ln>
+                  <a:noFill/>
+                </a:ln>
+                <a:solidFill>
+                  <a:schemeClr val="tx1"/>
+                </a:solidFill>
+                <a:effectLst/>
+                <a:latin typeface="Courier New" pitchFamily="49" charset="0"/>
+                <a:cs typeface="Courier New" pitchFamily="49" charset="0"/>
+              </a:rPr>
+              <a:t>ip route add default via 10.0.200.1 </a:t>
+            </a:r>
+            <a:endParaRPr kumimoji="0" lang="pt-BR" sz="2000" b="0" i="0" u="none" strike="noStrike" cap="none" normalizeH="0" baseline="0" dirty="0" smtClean="0">
+              <a:ln>
+                <a:noFill/>
+              </a:ln>
+              <a:solidFill>
+                <a:schemeClr val="tx1"/>
+              </a:solidFill>
+              <a:effectLst/>
+              <a:latin typeface="Courier New" pitchFamily="49" charset="0"/>
+              <a:cs typeface="Courier New" pitchFamily="49" charset="0"/>
+            </a:endParaRPr>
           </a:p>
         </p:txBody>
       </p:sp>
@@ -12901,7 +12689,15 @@
           <a:p>
             <a:r>
               <a:rPr lang="pt-BR" sz="2800" dirty="0" smtClean="0"/>
-              <a:t>Na GUI, clique em ‘capture’ para verificar os pacotes</a:t>
+              <a:t>Na GUI, clique em </a:t>
+            </a:r>
+            <a:r>
+              <a:rPr lang="pt-BR" sz="2800" dirty="0" smtClean="0"/>
+              <a:t>‘Real Time’ </a:t>
+            </a:r>
+            <a:r>
+              <a:rPr lang="pt-BR" sz="2800" dirty="0" smtClean="0"/>
+              <a:t>para verificar os pacotes</a:t>
             </a:r>
           </a:p>
           <a:p>
@@ -12920,12 +12716,21 @@
             <a:endParaRPr lang="pt-BR" sz="2800" dirty="0" smtClean="0"/>
           </a:p>
           <a:p>
-            <a:endParaRPr lang="pt-BR" sz="2800" dirty="0" smtClean="0"/>
-          </a:p>
-          <a:p>
             <a:r>
               <a:rPr lang="pt-BR" sz="2800" dirty="0" smtClean="0"/>
-              <a:t>No terminal do PC1, execute o seguinte comando e observe a GUI:</a:t>
+              <a:t>No </a:t>
+            </a:r>
+            <a:r>
+              <a:rPr lang="pt-BR" sz="2800" dirty="0" smtClean="0"/>
+              <a:t>terminal do </a:t>
+            </a:r>
+            <a:r>
+              <a:rPr lang="pt-BR" sz="2800" dirty="0" smtClean="0"/>
+              <a:t>PC2, </a:t>
+            </a:r>
+            <a:r>
+              <a:rPr lang="pt-BR" sz="2800" dirty="0" smtClean="0"/>
+              <a:t>execute o seguinte comando e observe a GUI:</a:t>
             </a:r>
           </a:p>
           <a:p>
@@ -13036,6 +12841,96 @@
               <a:t>Depois de gravar, pode executar o playback e ver os pacotes fluindo!</a:t>
             </a:r>
             <a:endParaRPr lang="pt-BR" dirty="0"/>
+          </a:p>
+        </p:txBody>
+      </p:sp>
+    </p:spTree>
+  </p:cSld>
+  <p:clrMapOvr>
+    <a:masterClrMapping/>
+  </p:clrMapOvr>
+</p:sld>
+</file>
+
+<file path=ppt/slides/slide38.xml><?xml version="1.0" encoding="utf-8"?>
+<p:sld xmlns:a="http://schemas.openxmlformats.org/drawingml/2006/main" xmlns:r="http://schemas.openxmlformats.org/officeDocument/2006/relationships" xmlns:p="http://schemas.openxmlformats.org/presentationml/2006/main">
+  <p:cSld>
+    <p:spTree>
+      <p:nvGrpSpPr>
+        <p:cNvPr id="1" name=""/>
+        <p:cNvGrpSpPr/>
+        <p:nvPr/>
+      </p:nvGrpSpPr>
+      <p:grpSpPr>
+        <a:xfrm>
+          <a:off x="0" y="0"/>
+          <a:ext cx="0" cy="0"/>
+          <a:chOff x="0" y="0"/>
+          <a:chExt cx="0" cy="0"/>
+        </a:xfrm>
+      </p:grpSpPr>
+      <p:sp>
+        <p:nvSpPr>
+          <p:cNvPr id="2" name="Title 1"/>
+          <p:cNvSpPr>
+            <a:spLocks noGrp="1"/>
+          </p:cNvSpPr>
+          <p:nvPr>
+            <p:ph type="title"/>
+          </p:nvPr>
+        </p:nvSpPr>
+        <p:spPr/>
+        <p:txBody>
+          <a:bodyPr/>
+          <a:lstStyle/>
+          <a:p>
+            <a:r>
+              <a:rPr lang="pt-BR" dirty="0" smtClean="0"/>
+              <a:t>Referências</a:t>
+            </a:r>
+            <a:endParaRPr lang="pt-BR" dirty="0"/>
+          </a:p>
+        </p:txBody>
+      </p:sp>
+      <p:sp>
+        <p:nvSpPr>
+          <p:cNvPr id="3" name="Content Placeholder 2"/>
+          <p:cNvSpPr>
+            <a:spLocks noGrp="1"/>
+          </p:cNvSpPr>
+          <p:nvPr>
+            <p:ph idx="1"/>
+          </p:nvPr>
+        </p:nvSpPr>
+        <p:spPr/>
+        <p:txBody>
+          <a:bodyPr/>
+          <a:lstStyle/>
+          <a:p>
+            <a:r>
+              <a:rPr lang="pt-BR" dirty="0" smtClean="0"/>
+              <a:t>Kurose Cap 4</a:t>
+            </a:r>
+          </a:p>
+          <a:p>
+            <a:r>
+              <a:rPr lang="pt-BR" dirty="0" smtClean="0"/>
+              <a:t>Psimulator</a:t>
+            </a:r>
+          </a:p>
+          <a:p>
+            <a:pPr lvl="1"/>
+            <a:r>
+              <a:rPr lang="pt-BR" smtClean="0">
+                <a:hlinkClick r:id="rId2"/>
+              </a:rPr>
+              <a:t>http://www.brianlinkletter.com/psimulator2-graphical-network-simulator/</a:t>
+            </a:r>
+            <a:endParaRPr lang="pt-BR" smtClean="0"/>
+          </a:p>
+          <a:p>
+            <a:pPr lvl="1"/>
+            <a:endParaRPr lang="pt-BR"/>
           </a:p>
         </p:txBody>
       </p:sp>
